--- a/2course/coursework/Презентация1.pptx
+++ b/2course/coursework/Презентация1.pptx
@@ -14,9 +14,10 @@
     <p:sldId id="262" r:id="rId8"/>
     <p:sldId id="263" r:id="rId9"/>
     <p:sldId id="264" r:id="rId10"/>
-    <p:sldId id="265" r:id="rId11"/>
-    <p:sldId id="266" r:id="rId12"/>
-    <p:sldId id="267" r:id="rId13"/>
+    <p:sldId id="268" r:id="rId11"/>
+    <p:sldId id="265" r:id="rId12"/>
+    <p:sldId id="266" r:id="rId13"/>
+    <p:sldId id="267" r:id="rId14"/>
   </p:sldIdLst>
   <p:sldSz cx="12192000" cy="6858000"/>
   <p:notesSz cx="6858000" cy="9144000"/>
@@ -115,6 +116,11 @@
       </a:defRPr>
     </a:lvl9pPr>
   </p:defaultTextStyle>
+  <p:extLst>
+    <p:ext uri="{EFAFB233-063F-42B5-8137-9DF3F51BA10A}">
+      <p15:sldGuideLst xmlns:p15="http://schemas.microsoft.com/office/powerpoint/2012/main"/>
+    </p:ext>
+  </p:extLst>
 </p:presentation>
 </file>
 
@@ -175,7 +181,7 @@
           <a:noFill/>
           <a:extLst>
             <a:ext uri="{909E8E84-426E-40dd-AFC4-6F175D3DCCD1}">
-              <a14:hiddenFill xmlns:a14="http://schemas.microsoft.com/office/drawing/2010/main" xmlns="">
+              <a14:hiddenFill xmlns="" xmlns:a14="http://schemas.microsoft.com/office/drawing/2010/main">
                 <a:solidFill>
                   <a:srgbClr val="FFFFFF"/>
                 </a:solidFill>
@@ -234,7 +240,7 @@
             </a:ln>
             <a:extLst>
               <a:ext uri="{91240B29-F687-4f45-9708-019B960494DF}">
-                <a14:hiddenLine xmlns:a14="http://schemas.microsoft.com/office/drawing/2010/main" xmlns="" w="9525">
+                <a14:hiddenLine xmlns="" xmlns:a14="http://schemas.microsoft.com/office/drawing/2010/main" w="9525">
                   <a:solidFill>
                     <a:srgbClr val="000000"/>
                   </a:solidFill>
@@ -324,7 +330,7 @@
             </a:ln>
             <a:extLst>
               <a:ext uri="{91240B29-F687-4f45-9708-019B960494DF}">
-                <a14:hiddenLine xmlns:a14="http://schemas.microsoft.com/office/drawing/2010/main" xmlns="" w="9525">
+                <a14:hiddenLine xmlns="" xmlns:a14="http://schemas.microsoft.com/office/drawing/2010/main" w="9525">
                   <a:solidFill>
                     <a:srgbClr val="000000"/>
                   </a:solidFill>
@@ -414,7 +420,7 @@
             </a:ln>
             <a:extLst>
               <a:ext uri="{91240B29-F687-4f45-9708-019B960494DF}">
-                <a14:hiddenLine xmlns:a14="http://schemas.microsoft.com/office/drawing/2010/main" xmlns="" w="9525">
+                <a14:hiddenLine xmlns="" xmlns:a14="http://schemas.microsoft.com/office/drawing/2010/main" w="9525">
                   <a:solidFill>
                     <a:srgbClr val="000000"/>
                   </a:solidFill>
@@ -448,7 +454,7 @@
             </a:ln>
             <a:extLst>
               <a:ext uri="{91240B29-F687-4f45-9708-019B960494DF}">
-                <a14:hiddenLine xmlns:a14="http://schemas.microsoft.com/office/drawing/2010/main" xmlns="" w="9525">
+                <a14:hiddenLine xmlns="" xmlns:a14="http://schemas.microsoft.com/office/drawing/2010/main" w="9525">
                   <a:solidFill>
                     <a:srgbClr val="000000"/>
                   </a:solidFill>
@@ -538,7 +544,7 @@
             </a:ln>
             <a:extLst>
               <a:ext uri="{91240B29-F687-4f45-9708-019B960494DF}">
-                <a14:hiddenLine xmlns:a14="http://schemas.microsoft.com/office/drawing/2010/main" xmlns="" w="9525">
+                <a14:hiddenLine xmlns="" xmlns:a14="http://schemas.microsoft.com/office/drawing/2010/main" w="9525">
                   <a:solidFill>
                     <a:srgbClr val="000000"/>
                   </a:solidFill>
@@ -600,7 +606,7 @@
             </a:ln>
             <a:extLst>
               <a:ext uri="{91240B29-F687-4f45-9708-019B960494DF}">
-                <a14:hiddenLine xmlns:a14="http://schemas.microsoft.com/office/drawing/2010/main" xmlns="" w="9525">
+                <a14:hiddenLine xmlns="" xmlns:a14="http://schemas.microsoft.com/office/drawing/2010/main" w="9525">
                   <a:solidFill>
                     <a:srgbClr val="000000"/>
                   </a:solidFill>
@@ -662,7 +668,7 @@
             </a:ln>
             <a:extLst>
               <a:ext uri="{91240B29-F687-4f45-9708-019B960494DF}">
-                <a14:hiddenLine xmlns:a14="http://schemas.microsoft.com/office/drawing/2010/main" xmlns="" w="9525">
+                <a14:hiddenLine xmlns="" xmlns:a14="http://schemas.microsoft.com/office/drawing/2010/main" w="9525">
                   <a:solidFill>
                     <a:srgbClr val="000000"/>
                   </a:solidFill>
@@ -752,7 +758,7 @@
             </a:ln>
             <a:extLst>
               <a:ext uri="{91240B29-F687-4f45-9708-019B960494DF}">
-                <a14:hiddenLine xmlns:a14="http://schemas.microsoft.com/office/drawing/2010/main" xmlns="" w="9525">
+                <a14:hiddenLine xmlns="" xmlns:a14="http://schemas.microsoft.com/office/drawing/2010/main" w="9525">
                   <a:solidFill>
                     <a:srgbClr val="000000"/>
                   </a:solidFill>
@@ -814,7 +820,7 @@
             </a:ln>
             <a:extLst>
               <a:ext uri="{91240B29-F687-4f45-9708-019B960494DF}">
-                <a14:hiddenLine xmlns:a14="http://schemas.microsoft.com/office/drawing/2010/main" xmlns="" w="9525">
+                <a14:hiddenLine xmlns="" xmlns:a14="http://schemas.microsoft.com/office/drawing/2010/main" w="9525">
                   <a:solidFill>
                     <a:srgbClr val="000000"/>
                   </a:solidFill>
@@ -876,7 +882,7 @@
             </a:ln>
             <a:extLst>
               <a:ext uri="{91240B29-F687-4f45-9708-019B960494DF}">
-                <a14:hiddenLine xmlns:a14="http://schemas.microsoft.com/office/drawing/2010/main" xmlns="" w="9525">
+                <a14:hiddenLine xmlns="" xmlns:a14="http://schemas.microsoft.com/office/drawing/2010/main" w="9525">
                   <a:solidFill>
                     <a:srgbClr val="000000"/>
                   </a:solidFill>
@@ -966,7 +972,7 @@
             </a:ln>
             <a:extLst>
               <a:ext uri="{91240B29-F687-4f45-9708-019B960494DF}">
-                <a14:hiddenLine xmlns:a14="http://schemas.microsoft.com/office/drawing/2010/main" xmlns="" w="9525">
+                <a14:hiddenLine xmlns="" xmlns:a14="http://schemas.microsoft.com/office/drawing/2010/main" w="9525">
                   <a:solidFill>
                     <a:srgbClr val="000000"/>
                   </a:solidFill>
@@ -1056,7 +1062,7 @@
             </a:ln>
             <a:extLst>
               <a:ext uri="{91240B29-F687-4f45-9708-019B960494DF}">
-                <a14:hiddenLine xmlns:a14="http://schemas.microsoft.com/office/drawing/2010/main" xmlns="" w="9525">
+                <a14:hiddenLine xmlns="" xmlns:a14="http://schemas.microsoft.com/office/drawing/2010/main" w="9525">
                   <a:solidFill>
                     <a:srgbClr val="000000"/>
                   </a:solidFill>
@@ -1118,7 +1124,7 @@
             </a:ln>
             <a:extLst>
               <a:ext uri="{91240B29-F687-4f45-9708-019B960494DF}">
-                <a14:hiddenLine xmlns:a14="http://schemas.microsoft.com/office/drawing/2010/main" xmlns="" w="9525">
+                <a14:hiddenLine xmlns="" xmlns:a14="http://schemas.microsoft.com/office/drawing/2010/main" w="9525">
                   <a:solidFill>
                     <a:srgbClr val="000000"/>
                   </a:solidFill>
@@ -1228,7 +1234,7 @@
             </a:ln>
             <a:extLst>
               <a:ext uri="{91240B29-F687-4f45-9708-019B960494DF}">
-                <a14:hiddenLine xmlns:a14="http://schemas.microsoft.com/office/drawing/2010/main" xmlns="" w="9525">
+                <a14:hiddenLine xmlns="" xmlns:a14="http://schemas.microsoft.com/office/drawing/2010/main" w="9525">
                   <a:solidFill>
                     <a:srgbClr val="000000"/>
                   </a:solidFill>
@@ -1290,7 +1296,7 @@
             </a:ln>
             <a:extLst>
               <a:ext uri="{91240B29-F687-4f45-9708-019B960494DF}">
-                <a14:hiddenLine xmlns:a14="http://schemas.microsoft.com/office/drawing/2010/main" xmlns="" w="9525">
+                <a14:hiddenLine xmlns="" xmlns:a14="http://schemas.microsoft.com/office/drawing/2010/main" w="9525">
                   <a:solidFill>
                     <a:srgbClr val="000000"/>
                   </a:solidFill>
@@ -1380,7 +1386,7 @@
             </a:ln>
             <a:extLst>
               <a:ext uri="{91240B29-F687-4f45-9708-019B960494DF}">
-                <a14:hiddenLine xmlns:a14="http://schemas.microsoft.com/office/drawing/2010/main" xmlns="" w="9525">
+                <a14:hiddenLine xmlns="" xmlns:a14="http://schemas.microsoft.com/office/drawing/2010/main" w="9525">
                   <a:solidFill>
                     <a:srgbClr val="000000"/>
                   </a:solidFill>
@@ -1470,7 +1476,7 @@
             </a:ln>
             <a:extLst>
               <a:ext uri="{91240B29-F687-4f45-9708-019B960494DF}">
-                <a14:hiddenLine xmlns:a14="http://schemas.microsoft.com/office/drawing/2010/main" xmlns="" w="9525">
+                <a14:hiddenLine xmlns="" xmlns:a14="http://schemas.microsoft.com/office/drawing/2010/main" w="9525">
                   <a:solidFill>
                     <a:srgbClr val="000000"/>
                   </a:solidFill>
@@ -1532,7 +1538,7 @@
             </a:ln>
             <a:extLst>
               <a:ext uri="{91240B29-F687-4f45-9708-019B960494DF}">
-                <a14:hiddenLine xmlns:a14="http://schemas.microsoft.com/office/drawing/2010/main" xmlns="" w="9525">
+                <a14:hiddenLine xmlns="" xmlns:a14="http://schemas.microsoft.com/office/drawing/2010/main" w="9525">
                   <a:solidFill>
                     <a:srgbClr val="000000"/>
                   </a:solidFill>
@@ -1622,7 +1628,7 @@
             </a:ln>
             <a:extLst>
               <a:ext uri="{91240B29-F687-4f45-9708-019B960494DF}">
-                <a14:hiddenLine xmlns:a14="http://schemas.microsoft.com/office/drawing/2010/main" xmlns="" w="9525">
+                <a14:hiddenLine xmlns="" xmlns:a14="http://schemas.microsoft.com/office/drawing/2010/main" w="9525">
                   <a:solidFill>
                     <a:srgbClr val="000000"/>
                   </a:solidFill>
@@ -1712,7 +1718,7 @@
             </a:ln>
             <a:extLst>
               <a:ext uri="{91240B29-F687-4f45-9708-019B960494DF}">
-                <a14:hiddenLine xmlns:a14="http://schemas.microsoft.com/office/drawing/2010/main" xmlns="" w="9525">
+                <a14:hiddenLine xmlns="" xmlns:a14="http://schemas.microsoft.com/office/drawing/2010/main" w="9525">
                   <a:solidFill>
                     <a:srgbClr val="000000"/>
                   </a:solidFill>
@@ -1768,7 +1774,7 @@
             </a:ln>
             <a:extLst>
               <a:ext uri="{91240B29-F687-4f45-9708-019B960494DF}">
-                <a14:hiddenLine xmlns:a14="http://schemas.microsoft.com/office/drawing/2010/main" xmlns="" w="9525">
+                <a14:hiddenLine xmlns="" xmlns:a14="http://schemas.microsoft.com/office/drawing/2010/main" w="9525">
                   <a:solidFill>
                     <a:srgbClr val="000000"/>
                   </a:solidFill>
@@ -1858,7 +1864,7 @@
             </a:ln>
             <a:extLst>
               <a:ext uri="{91240B29-F687-4f45-9708-019B960494DF}">
-                <a14:hiddenLine xmlns:a14="http://schemas.microsoft.com/office/drawing/2010/main" xmlns="" w="9525">
+                <a14:hiddenLine xmlns="" xmlns:a14="http://schemas.microsoft.com/office/drawing/2010/main" w="9525">
                   <a:solidFill>
                     <a:srgbClr val="000000"/>
                   </a:solidFill>
@@ -1914,7 +1920,7 @@
             </a:ln>
             <a:extLst>
               <a:ext uri="{91240B29-F687-4f45-9708-019B960494DF}">
-                <a14:hiddenLine xmlns:a14="http://schemas.microsoft.com/office/drawing/2010/main" xmlns="" w="9525">
+                <a14:hiddenLine xmlns="" xmlns:a14="http://schemas.microsoft.com/office/drawing/2010/main" w="9525">
                   <a:solidFill>
                     <a:srgbClr val="000000"/>
                   </a:solidFill>
@@ -2004,7 +2010,7 @@
             </a:ln>
             <a:extLst>
               <a:ext uri="{91240B29-F687-4f45-9708-019B960494DF}">
-                <a14:hiddenLine xmlns:a14="http://schemas.microsoft.com/office/drawing/2010/main" xmlns="" w="9525">
+                <a14:hiddenLine xmlns="" xmlns:a14="http://schemas.microsoft.com/office/drawing/2010/main" w="9525">
                   <a:solidFill>
                     <a:srgbClr val="000000"/>
                   </a:solidFill>
@@ -2072,7 +2078,7 @@
             </a:ln>
             <a:extLst>
               <a:ext uri="{91240B29-F687-4f45-9708-019B960494DF}">
-                <a14:hiddenLine xmlns:a14="http://schemas.microsoft.com/office/drawing/2010/main" xmlns="" w="9525">
+                <a14:hiddenLine xmlns="" xmlns:a14="http://schemas.microsoft.com/office/drawing/2010/main" w="9525">
                   <a:solidFill>
                     <a:srgbClr val="000000"/>
                   </a:solidFill>
@@ -2162,7 +2168,7 @@
             </a:ln>
             <a:extLst>
               <a:ext uri="{91240B29-F687-4f45-9708-019B960494DF}">
-                <a14:hiddenLine xmlns:a14="http://schemas.microsoft.com/office/drawing/2010/main" xmlns="" w="9525">
+                <a14:hiddenLine xmlns="" xmlns:a14="http://schemas.microsoft.com/office/drawing/2010/main" w="9525">
                   <a:solidFill>
                     <a:srgbClr val="000000"/>
                   </a:solidFill>
@@ -2230,7 +2236,7 @@
             </a:ln>
             <a:extLst>
               <a:ext uri="{91240B29-F687-4f45-9708-019B960494DF}">
-                <a14:hiddenLine xmlns:a14="http://schemas.microsoft.com/office/drawing/2010/main" xmlns="" w="9525">
+                <a14:hiddenLine xmlns="" xmlns:a14="http://schemas.microsoft.com/office/drawing/2010/main" w="9525">
                   <a:solidFill>
                     <a:srgbClr val="000000"/>
                   </a:solidFill>
@@ -2320,7 +2326,7 @@
             </a:ln>
             <a:extLst>
               <a:ext uri="{91240B29-F687-4f45-9708-019B960494DF}">
-                <a14:hiddenLine xmlns:a14="http://schemas.microsoft.com/office/drawing/2010/main" xmlns="" w="9525">
+                <a14:hiddenLine xmlns="" xmlns:a14="http://schemas.microsoft.com/office/drawing/2010/main" w="9525">
                   <a:solidFill>
                     <a:srgbClr val="000000"/>
                   </a:solidFill>
@@ -2354,7 +2360,7 @@
             </a:ln>
             <a:extLst>
               <a:ext uri="{91240B29-F687-4f45-9708-019B960494DF}">
-                <a14:hiddenLine xmlns:a14="http://schemas.microsoft.com/office/drawing/2010/main" xmlns="" w="9525">
+                <a14:hiddenLine xmlns="" xmlns:a14="http://schemas.microsoft.com/office/drawing/2010/main" w="9525">
                   <a:solidFill>
                     <a:srgbClr val="000000"/>
                   </a:solidFill>
@@ -2444,7 +2450,7 @@
             </a:ln>
             <a:extLst>
               <a:ext uri="{91240B29-F687-4f45-9708-019B960494DF}">
-                <a14:hiddenLine xmlns:a14="http://schemas.microsoft.com/office/drawing/2010/main" xmlns="" w="9525">
+                <a14:hiddenLine xmlns="" xmlns:a14="http://schemas.microsoft.com/office/drawing/2010/main" w="9525">
                   <a:solidFill>
                     <a:srgbClr val="000000"/>
                   </a:solidFill>
@@ -2506,7 +2512,7 @@
             </a:ln>
             <a:extLst>
               <a:ext uri="{91240B29-F687-4f45-9708-019B960494DF}">
-                <a14:hiddenLine xmlns:a14="http://schemas.microsoft.com/office/drawing/2010/main" xmlns="" w="9525">
+                <a14:hiddenLine xmlns="" xmlns:a14="http://schemas.microsoft.com/office/drawing/2010/main" w="9525">
                   <a:solidFill>
                     <a:srgbClr val="000000"/>
                   </a:solidFill>
@@ -2568,7 +2574,7 @@
             </a:ln>
             <a:extLst>
               <a:ext uri="{91240B29-F687-4f45-9708-019B960494DF}">
-                <a14:hiddenLine xmlns:a14="http://schemas.microsoft.com/office/drawing/2010/main" xmlns="" w="9525">
+                <a14:hiddenLine xmlns="" xmlns:a14="http://schemas.microsoft.com/office/drawing/2010/main" w="9525">
                   <a:solidFill>
                     <a:srgbClr val="000000"/>
                   </a:solidFill>
@@ -2658,7 +2664,7 @@
             </a:ln>
             <a:extLst>
               <a:ext uri="{91240B29-F687-4f45-9708-019B960494DF}">
-                <a14:hiddenLine xmlns:a14="http://schemas.microsoft.com/office/drawing/2010/main" xmlns="" w="9525">
+                <a14:hiddenLine xmlns="" xmlns:a14="http://schemas.microsoft.com/office/drawing/2010/main" w="9525">
                   <a:solidFill>
                     <a:srgbClr val="000000"/>
                   </a:solidFill>
@@ -2726,7 +2732,7 @@
             </a:ln>
             <a:extLst>
               <a:ext uri="{91240B29-F687-4f45-9708-019B960494DF}">
-                <a14:hiddenLine xmlns:a14="http://schemas.microsoft.com/office/drawing/2010/main" xmlns="" w="9525">
+                <a14:hiddenLine xmlns="" xmlns:a14="http://schemas.microsoft.com/office/drawing/2010/main" w="9525">
                   <a:solidFill>
                     <a:srgbClr val="000000"/>
                   </a:solidFill>
@@ -2788,7 +2794,7 @@
             </a:ln>
             <a:extLst>
               <a:ext uri="{91240B29-F687-4f45-9708-019B960494DF}">
-                <a14:hiddenLine xmlns:a14="http://schemas.microsoft.com/office/drawing/2010/main" xmlns="" w="9525">
+                <a14:hiddenLine xmlns="" xmlns:a14="http://schemas.microsoft.com/office/drawing/2010/main" w="9525">
                   <a:solidFill>
                     <a:srgbClr val="000000"/>
                   </a:solidFill>
@@ -2878,7 +2884,7 @@
             </a:ln>
             <a:extLst>
               <a:ext uri="{91240B29-F687-4f45-9708-019B960494DF}">
-                <a14:hiddenLine xmlns:a14="http://schemas.microsoft.com/office/drawing/2010/main" xmlns="" w="9525">
+                <a14:hiddenLine xmlns="" xmlns:a14="http://schemas.microsoft.com/office/drawing/2010/main" w="9525">
                   <a:solidFill>
                     <a:srgbClr val="000000"/>
                   </a:solidFill>
@@ -2940,7 +2946,7 @@
             </a:ln>
             <a:extLst>
               <a:ext uri="{91240B29-F687-4f45-9708-019B960494DF}">
-                <a14:hiddenLine xmlns:a14="http://schemas.microsoft.com/office/drawing/2010/main" xmlns="" w="9525">
+                <a14:hiddenLine xmlns="" xmlns:a14="http://schemas.microsoft.com/office/drawing/2010/main" w="9525">
                   <a:solidFill>
                     <a:srgbClr val="000000"/>
                   </a:solidFill>
@@ -3030,7 +3036,7 @@
             </a:ln>
             <a:extLst>
               <a:ext uri="{91240B29-F687-4f45-9708-019B960494DF}">
-                <a14:hiddenLine xmlns:a14="http://schemas.microsoft.com/office/drawing/2010/main" xmlns="" w="9525">
+                <a14:hiddenLine xmlns="" xmlns:a14="http://schemas.microsoft.com/office/drawing/2010/main" w="9525">
                   <a:solidFill>
                     <a:srgbClr val="000000"/>
                   </a:solidFill>
@@ -3092,7 +3098,7 @@
             </a:ln>
             <a:extLst>
               <a:ext uri="{91240B29-F687-4f45-9708-019B960494DF}">
-                <a14:hiddenLine xmlns:a14="http://schemas.microsoft.com/office/drawing/2010/main" xmlns="" w="9525">
+                <a14:hiddenLine xmlns="" xmlns:a14="http://schemas.microsoft.com/office/drawing/2010/main" w="9525">
                   <a:solidFill>
                     <a:srgbClr val="000000"/>
                   </a:solidFill>
@@ -3182,7 +3188,7 @@
             </a:ln>
             <a:extLst>
               <a:ext uri="{91240B29-F687-4f45-9708-019B960494DF}">
-                <a14:hiddenLine xmlns:a14="http://schemas.microsoft.com/office/drawing/2010/main" xmlns="" w="9525">
+                <a14:hiddenLine xmlns="" xmlns:a14="http://schemas.microsoft.com/office/drawing/2010/main" w="9525">
                   <a:solidFill>
                     <a:srgbClr val="000000"/>
                   </a:solidFill>
@@ -3216,7 +3222,7 @@
             </a:ln>
             <a:extLst>
               <a:ext uri="{91240B29-F687-4f45-9708-019B960494DF}">
-                <a14:hiddenLine xmlns:a14="http://schemas.microsoft.com/office/drawing/2010/main" xmlns="" w="9525">
+                <a14:hiddenLine xmlns="" xmlns:a14="http://schemas.microsoft.com/office/drawing/2010/main" w="9525">
                   <a:solidFill>
                     <a:srgbClr val="000000"/>
                   </a:solidFill>
@@ -3281,7 +3287,7 @@
             </a:ln>
             <a:extLst>
               <a:ext uri="{91240B29-F687-4f45-9708-019B960494DF}">
-                <a14:hiddenLine xmlns:a14="http://schemas.microsoft.com/office/drawing/2010/main" xmlns="" w="9525">
+                <a14:hiddenLine xmlns="" xmlns:a14="http://schemas.microsoft.com/office/drawing/2010/main" w="9525">
                   <a:solidFill>
                     <a:srgbClr val="000000"/>
                   </a:solidFill>
@@ -3371,7 +3377,7 @@
             </a:ln>
             <a:extLst>
               <a:ext uri="{91240B29-F687-4f45-9708-019B960494DF}">
-                <a14:hiddenLine xmlns:a14="http://schemas.microsoft.com/office/drawing/2010/main" xmlns="" w="9525">
+                <a14:hiddenLine xmlns="" xmlns:a14="http://schemas.microsoft.com/office/drawing/2010/main" w="9525">
                   <a:solidFill>
                     <a:srgbClr val="000000"/>
                   </a:solidFill>
@@ -3433,7 +3439,7 @@
             </a:ln>
             <a:extLst>
               <a:ext uri="{91240B29-F687-4f45-9708-019B960494DF}">
-                <a14:hiddenLine xmlns:a14="http://schemas.microsoft.com/office/drawing/2010/main" xmlns="" w="9525">
+                <a14:hiddenLine xmlns="" xmlns:a14="http://schemas.microsoft.com/office/drawing/2010/main" w="9525">
                   <a:solidFill>
                     <a:srgbClr val="000000"/>
                   </a:solidFill>
@@ -3523,7 +3529,7 @@
             </a:ln>
             <a:extLst>
               <a:ext uri="{91240B29-F687-4f45-9708-019B960494DF}">
-                <a14:hiddenLine xmlns:a14="http://schemas.microsoft.com/office/drawing/2010/main" xmlns="" w="9525">
+                <a14:hiddenLine xmlns="" xmlns:a14="http://schemas.microsoft.com/office/drawing/2010/main" w="9525">
                   <a:solidFill>
                     <a:srgbClr val="000000"/>
                   </a:solidFill>
@@ -3613,7 +3619,7 @@
             </a:ln>
             <a:extLst>
               <a:ext uri="{91240B29-F687-4f45-9708-019B960494DF}">
-                <a14:hiddenLine xmlns:a14="http://schemas.microsoft.com/office/drawing/2010/main" xmlns="" w="9525">
+                <a14:hiddenLine xmlns="" xmlns:a14="http://schemas.microsoft.com/office/drawing/2010/main" w="9525">
                   <a:solidFill>
                     <a:srgbClr val="000000"/>
                   </a:solidFill>
@@ -3678,7 +3684,7 @@
             </a:ln>
             <a:extLst>
               <a:ext uri="{91240B29-F687-4f45-9708-019B960494DF}">
-                <a14:hiddenLine xmlns:a14="http://schemas.microsoft.com/office/drawing/2010/main" xmlns="" w="9525">
+                <a14:hiddenLine xmlns="" xmlns:a14="http://schemas.microsoft.com/office/drawing/2010/main" w="9525">
                   <a:solidFill>
                     <a:srgbClr val="000000"/>
                   </a:solidFill>
@@ -3740,7 +3746,7 @@
             </a:ln>
             <a:extLst>
               <a:ext uri="{91240B29-F687-4f45-9708-019B960494DF}">
-                <a14:hiddenLine xmlns:a14="http://schemas.microsoft.com/office/drawing/2010/main" xmlns="" w="9525">
+                <a14:hiddenLine xmlns="" xmlns:a14="http://schemas.microsoft.com/office/drawing/2010/main" w="9525">
                   <a:solidFill>
                     <a:srgbClr val="000000"/>
                   </a:solidFill>
@@ -3830,7 +3836,7 @@
             </a:ln>
             <a:extLst>
               <a:ext uri="{91240B29-F687-4f45-9708-019B960494DF}">
-                <a14:hiddenLine xmlns:a14="http://schemas.microsoft.com/office/drawing/2010/main" xmlns="" w="9525">
+                <a14:hiddenLine xmlns="" xmlns:a14="http://schemas.microsoft.com/office/drawing/2010/main" w="9525">
                   <a:solidFill>
                     <a:srgbClr val="000000"/>
                   </a:solidFill>
@@ -3920,7 +3926,7 @@
             </a:ln>
             <a:extLst>
               <a:ext uri="{91240B29-F687-4f45-9708-019B960494DF}">
-                <a14:hiddenLine xmlns:a14="http://schemas.microsoft.com/office/drawing/2010/main" xmlns="" w="9525">
+                <a14:hiddenLine xmlns="" xmlns:a14="http://schemas.microsoft.com/office/drawing/2010/main" w="9525">
                   <a:solidFill>
                     <a:srgbClr val="000000"/>
                   </a:solidFill>
@@ -3982,7 +3988,7 @@
             </a:ln>
             <a:extLst>
               <a:ext uri="{91240B29-F687-4f45-9708-019B960494DF}">
-                <a14:hiddenLine xmlns:a14="http://schemas.microsoft.com/office/drawing/2010/main" xmlns="" w="9525">
+                <a14:hiddenLine xmlns="" xmlns:a14="http://schemas.microsoft.com/office/drawing/2010/main" w="9525">
                   <a:solidFill>
                     <a:srgbClr val="000000"/>
                   </a:solidFill>
@@ -4102,7 +4108,7 @@
             </a:ln>
             <a:extLst>
               <a:ext uri="{91240B29-F687-4f45-9708-019B960494DF}">
-                <a14:hiddenLine xmlns:a14="http://schemas.microsoft.com/office/drawing/2010/main" xmlns="" w="9525">
+                <a14:hiddenLine xmlns="" xmlns:a14="http://schemas.microsoft.com/office/drawing/2010/main" w="9525">
                   <a:solidFill>
                     <a:srgbClr val="000000"/>
                   </a:solidFill>
@@ -4170,7 +4176,7 @@
             </a:ln>
             <a:extLst>
               <a:ext uri="{91240B29-F687-4f45-9708-019B960494DF}">
-                <a14:hiddenLine xmlns:a14="http://schemas.microsoft.com/office/drawing/2010/main" xmlns="" w="9525">
+                <a14:hiddenLine xmlns="" xmlns:a14="http://schemas.microsoft.com/office/drawing/2010/main" w="9525">
                   <a:solidFill>
                     <a:srgbClr val="000000"/>
                   </a:solidFill>
@@ -4260,7 +4266,7 @@
             </a:ln>
             <a:extLst>
               <a:ext uri="{91240B29-F687-4f45-9708-019B960494DF}">
-                <a14:hiddenLine xmlns:a14="http://schemas.microsoft.com/office/drawing/2010/main" xmlns="" w="9525">
+                <a14:hiddenLine xmlns="" xmlns:a14="http://schemas.microsoft.com/office/drawing/2010/main" w="9525">
                   <a:solidFill>
                     <a:srgbClr val="000000"/>
                   </a:solidFill>
@@ -4400,7 +4406,7 @@
           <a:p>
             <a:fld id="{48A87A34-81AB-432B-8DAE-1953F412C126}" type="datetimeFigureOut">
               <a:rPr lang="en-US" smtClean="0"/>
-              <a:t>12/29/2021</a:t>
+              <a:t>12/30/2021</a:t>
             </a:fld>
             <a:endParaRPr lang="en-US" dirty="0"/>
           </a:p>
@@ -4667,7 +4673,7 @@
           <a:p>
             <a:fld id="{48A87A34-81AB-432B-8DAE-1953F412C126}" type="datetimeFigureOut">
               <a:rPr lang="en-US" smtClean="0"/>
-              <a:t>12/29/2021</a:t>
+              <a:t>12/30/2021</a:t>
             </a:fld>
             <a:endParaRPr lang="en-US" dirty="0"/>
           </a:p>
@@ -4863,7 +4869,7 @@
           <a:p>
             <a:fld id="{48A87A34-81AB-432B-8DAE-1953F412C126}" type="datetimeFigureOut">
               <a:rPr lang="en-US" smtClean="0"/>
-              <a:t>12/29/2021</a:t>
+              <a:t>12/30/2021</a:t>
             </a:fld>
             <a:endParaRPr lang="en-US" dirty="0"/>
           </a:p>
@@ -5126,7 +5132,7 @@
           <a:p>
             <a:fld id="{48A87A34-81AB-432B-8DAE-1953F412C126}" type="datetimeFigureOut">
               <a:rPr lang="en-US" smtClean="0"/>
-              <a:t>12/29/2021</a:t>
+              <a:t>12/30/2021</a:t>
             </a:fld>
             <a:endParaRPr lang="en-US" dirty="0"/>
           </a:p>
@@ -5560,7 +5566,7 @@
           <a:p>
             <a:fld id="{48A87A34-81AB-432B-8DAE-1953F412C126}" type="datetimeFigureOut">
               <a:rPr lang="en-US" smtClean="0"/>
-              <a:t>12/29/2021</a:t>
+              <a:t>12/30/2021</a:t>
             </a:fld>
             <a:endParaRPr lang="en-US" dirty="0"/>
           </a:p>
@@ -6106,7 +6112,7 @@
           <a:p>
             <a:fld id="{48A87A34-81AB-432B-8DAE-1953F412C126}" type="datetimeFigureOut">
               <a:rPr lang="en-US" smtClean="0"/>
-              <a:t>12/29/2021</a:t>
+              <a:t>12/30/2021</a:t>
             </a:fld>
             <a:endParaRPr lang="en-US" dirty="0"/>
           </a:p>
@@ -6826,7 +6832,7 @@
           <a:p>
             <a:fld id="{48A87A34-81AB-432B-8DAE-1953F412C126}" type="datetimeFigureOut">
               <a:rPr lang="en-US" smtClean="0"/>
-              <a:t>12/29/2021</a:t>
+              <a:t>12/30/2021</a:t>
             </a:fld>
             <a:endParaRPr lang="en-US" dirty="0"/>
           </a:p>
@@ -6996,7 +7002,7 @@
           <a:p>
             <a:fld id="{48A87A34-81AB-432B-8DAE-1953F412C126}" type="datetimeFigureOut">
               <a:rPr lang="en-US" smtClean="0"/>
-              <a:t>12/29/2021</a:t>
+              <a:t>12/30/2021</a:t>
             </a:fld>
             <a:endParaRPr lang="en-US" dirty="0"/>
           </a:p>
@@ -7176,7 +7182,7 @@
           <a:p>
             <a:fld id="{48A87A34-81AB-432B-8DAE-1953F412C126}" type="datetimeFigureOut">
               <a:rPr lang="en-US" smtClean="0"/>
-              <a:t>12/29/2021</a:t>
+              <a:t>12/30/2021</a:t>
             </a:fld>
             <a:endParaRPr lang="en-US" dirty="0"/>
           </a:p>
@@ -7346,7 +7352,7 @@
           <a:p>
             <a:fld id="{48A87A34-81AB-432B-8DAE-1953F412C126}" type="datetimeFigureOut">
               <a:rPr lang="en-US" smtClean="0"/>
-              <a:t>12/29/2021</a:t>
+              <a:t>12/30/2021</a:t>
             </a:fld>
             <a:endParaRPr lang="en-US" dirty="0"/>
           </a:p>
@@ -7596,7 +7602,7 @@
           <a:p>
             <a:fld id="{48A87A34-81AB-432B-8DAE-1953F412C126}" type="datetimeFigureOut">
               <a:rPr lang="en-US" smtClean="0"/>
-              <a:t>12/29/2021</a:t>
+              <a:t>12/30/2021</a:t>
             </a:fld>
             <a:endParaRPr lang="en-US" dirty="0"/>
           </a:p>
@@ -7828,7 +7834,7 @@
           <a:p>
             <a:fld id="{48A87A34-81AB-432B-8DAE-1953F412C126}" type="datetimeFigureOut">
               <a:rPr lang="en-US" smtClean="0"/>
-              <a:t>12/29/2021</a:t>
+              <a:t>12/30/2021</a:t>
             </a:fld>
             <a:endParaRPr lang="en-US" dirty="0"/>
           </a:p>
@@ -8209,7 +8215,7 @@
           <a:p>
             <a:fld id="{48A87A34-81AB-432B-8DAE-1953F412C126}" type="datetimeFigureOut">
               <a:rPr lang="en-US" smtClean="0"/>
-              <a:t>12/29/2021</a:t>
+              <a:t>12/30/2021</a:t>
             </a:fld>
             <a:endParaRPr lang="en-US" dirty="0"/>
           </a:p>
@@ -8327,7 +8333,7 @@
           <a:p>
             <a:fld id="{48A87A34-81AB-432B-8DAE-1953F412C126}" type="datetimeFigureOut">
               <a:rPr lang="en-US" smtClean="0"/>
-              <a:t>12/29/2021</a:t>
+              <a:t>12/30/2021</a:t>
             </a:fld>
             <a:endParaRPr lang="en-US" dirty="0"/>
           </a:p>
@@ -8422,7 +8428,7 @@
           <a:p>
             <a:fld id="{48A87A34-81AB-432B-8DAE-1953F412C126}" type="datetimeFigureOut">
               <a:rPr lang="en-US" smtClean="0"/>
-              <a:t>12/29/2021</a:t>
+              <a:t>12/30/2021</a:t>
             </a:fld>
             <a:endParaRPr lang="en-US" dirty="0"/>
           </a:p>
@@ -8671,7 +8677,7 @@
           <a:p>
             <a:fld id="{48A87A34-81AB-432B-8DAE-1953F412C126}" type="datetimeFigureOut">
               <a:rPr lang="en-US" smtClean="0"/>
-              <a:t>12/29/2021</a:t>
+              <a:t>12/30/2021</a:t>
             </a:fld>
             <a:endParaRPr lang="en-US" dirty="0"/>
           </a:p>
@@ -8951,7 +8957,7 @@
           <a:p>
             <a:fld id="{48A87A34-81AB-432B-8DAE-1953F412C126}" type="datetimeFigureOut">
               <a:rPr lang="en-US" smtClean="0"/>
-              <a:t>12/29/2021</a:t>
+              <a:t>12/30/2021</a:t>
             </a:fld>
             <a:endParaRPr lang="en-US" dirty="0"/>
           </a:p>
@@ -9074,7 +9080,7 @@
           <a:noFill/>
           <a:extLst>
             <a:ext uri="{909E8E84-426E-40dd-AFC4-6F175D3DCCD1}">
-              <a14:hiddenFill xmlns:a14="http://schemas.microsoft.com/office/drawing/2010/main" xmlns="">
+              <a14:hiddenFill xmlns="" xmlns:a14="http://schemas.microsoft.com/office/drawing/2010/main">
                 <a:solidFill>
                   <a:srgbClr val="FFFFFF"/>
                 </a:solidFill>
@@ -9148,7 +9154,7 @@
               </a:ln>
               <a:extLst>
                 <a:ext uri="{91240B29-F687-4f45-9708-019B960494DF}">
-                  <a14:hiddenLine xmlns:a14="http://schemas.microsoft.com/office/drawing/2010/main" xmlns="" w="9525">
+                  <a14:hiddenLine xmlns="" xmlns:a14="http://schemas.microsoft.com/office/drawing/2010/main" w="9525">
                     <a:solidFill>
                       <a:srgbClr val="000000"/>
                     </a:solidFill>
@@ -9238,7 +9244,7 @@
               </a:ln>
               <a:extLst>
                 <a:ext uri="{91240B29-F687-4f45-9708-019B960494DF}">
-                  <a14:hiddenLine xmlns:a14="http://schemas.microsoft.com/office/drawing/2010/main" xmlns="" w="9525">
+                  <a14:hiddenLine xmlns="" xmlns:a14="http://schemas.microsoft.com/office/drawing/2010/main" w="9525">
                     <a:solidFill>
                       <a:srgbClr val="000000"/>
                     </a:solidFill>
@@ -9328,7 +9334,7 @@
               </a:ln>
               <a:extLst>
                 <a:ext uri="{91240B29-F687-4f45-9708-019B960494DF}">
-                  <a14:hiddenLine xmlns:a14="http://schemas.microsoft.com/office/drawing/2010/main" xmlns="" w="9525">
+                  <a14:hiddenLine xmlns="" xmlns:a14="http://schemas.microsoft.com/office/drawing/2010/main" w="9525">
                     <a:solidFill>
                       <a:srgbClr val="000000"/>
                     </a:solidFill>
@@ -9390,7 +9396,7 @@
               </a:ln>
               <a:extLst>
                 <a:ext uri="{91240B29-F687-4f45-9708-019B960494DF}">
-                  <a14:hiddenLine xmlns:a14="http://schemas.microsoft.com/office/drawing/2010/main" xmlns="" w="9525">
+                  <a14:hiddenLine xmlns="" xmlns:a14="http://schemas.microsoft.com/office/drawing/2010/main" w="9525">
                     <a:solidFill>
                       <a:srgbClr val="000000"/>
                     </a:solidFill>
@@ -9480,7 +9486,7 @@
               </a:ln>
               <a:extLst>
                 <a:ext uri="{91240B29-F687-4f45-9708-019B960494DF}">
-                  <a14:hiddenLine xmlns:a14="http://schemas.microsoft.com/office/drawing/2010/main" xmlns="" w="9525">
+                  <a14:hiddenLine xmlns="" xmlns:a14="http://schemas.microsoft.com/office/drawing/2010/main" w="9525">
                     <a:solidFill>
                       <a:srgbClr val="000000"/>
                     </a:solidFill>
@@ -9542,7 +9548,7 @@
               </a:ln>
               <a:extLst>
                 <a:ext uri="{91240B29-F687-4f45-9708-019B960494DF}">
-                  <a14:hiddenLine xmlns:a14="http://schemas.microsoft.com/office/drawing/2010/main" xmlns="" w="9525">
+                  <a14:hiddenLine xmlns="" xmlns:a14="http://schemas.microsoft.com/office/drawing/2010/main" w="9525">
                     <a:solidFill>
                       <a:srgbClr val="000000"/>
                     </a:solidFill>
@@ -9604,7 +9610,7 @@
               </a:ln>
               <a:extLst>
                 <a:ext uri="{91240B29-F687-4f45-9708-019B960494DF}">
-                  <a14:hiddenLine xmlns:a14="http://schemas.microsoft.com/office/drawing/2010/main" xmlns="" w="9525">
+                  <a14:hiddenLine xmlns="" xmlns:a14="http://schemas.microsoft.com/office/drawing/2010/main" w="9525">
                     <a:solidFill>
                       <a:srgbClr val="000000"/>
                     </a:solidFill>
@@ -9694,7 +9700,7 @@
               </a:ln>
               <a:extLst>
                 <a:ext uri="{91240B29-F687-4f45-9708-019B960494DF}">
-                  <a14:hiddenLine xmlns:a14="http://schemas.microsoft.com/office/drawing/2010/main" xmlns="" w="9525">
+                  <a14:hiddenLine xmlns="" xmlns:a14="http://schemas.microsoft.com/office/drawing/2010/main" w="9525">
                     <a:solidFill>
                       <a:srgbClr val="000000"/>
                     </a:solidFill>
@@ -9784,7 +9790,7 @@
               </a:ln>
               <a:extLst>
                 <a:ext uri="{91240B29-F687-4f45-9708-019B960494DF}">
-                  <a14:hiddenLine xmlns:a14="http://schemas.microsoft.com/office/drawing/2010/main" xmlns="" w="9525">
+                  <a14:hiddenLine xmlns="" xmlns:a14="http://schemas.microsoft.com/office/drawing/2010/main" w="9525">
                     <a:solidFill>
                       <a:srgbClr val="000000"/>
                     </a:solidFill>
@@ -9846,7 +9852,7 @@
               </a:ln>
               <a:extLst>
                 <a:ext uri="{91240B29-F687-4f45-9708-019B960494DF}">
-                  <a14:hiddenLine xmlns:a14="http://schemas.microsoft.com/office/drawing/2010/main" xmlns="" w="9525">
+                  <a14:hiddenLine xmlns="" xmlns:a14="http://schemas.microsoft.com/office/drawing/2010/main" w="9525">
                     <a:solidFill>
                       <a:srgbClr val="000000"/>
                     </a:solidFill>
@@ -9956,7 +9962,7 @@
               </a:ln>
               <a:extLst>
                 <a:ext uri="{91240B29-F687-4f45-9708-019B960494DF}">
-                  <a14:hiddenLine xmlns:a14="http://schemas.microsoft.com/office/drawing/2010/main" xmlns="" w="9525">
+                  <a14:hiddenLine xmlns="" xmlns:a14="http://schemas.microsoft.com/office/drawing/2010/main" w="9525">
                     <a:solidFill>
                       <a:srgbClr val="000000"/>
                     </a:solidFill>
@@ -10040,7 +10046,7 @@
               </a:ln>
               <a:extLst>
                 <a:ext uri="{91240B29-F687-4f45-9708-019B960494DF}">
-                  <a14:hiddenLine xmlns:a14="http://schemas.microsoft.com/office/drawing/2010/main" xmlns="" w="9525">
+                  <a14:hiddenLine xmlns="" xmlns:a14="http://schemas.microsoft.com/office/drawing/2010/main" w="9525">
                     <a:solidFill>
                       <a:srgbClr val="000000"/>
                     </a:solidFill>
@@ -10102,7 +10108,7 @@
               </a:ln>
               <a:extLst>
                 <a:ext uri="{91240B29-F687-4f45-9708-019B960494DF}">
-                  <a14:hiddenLine xmlns:a14="http://schemas.microsoft.com/office/drawing/2010/main" xmlns="" w="9525">
+                  <a14:hiddenLine xmlns="" xmlns:a14="http://schemas.microsoft.com/office/drawing/2010/main" w="9525">
                     <a:solidFill>
                       <a:srgbClr val="000000"/>
                     </a:solidFill>
@@ -10164,7 +10170,7 @@
               </a:ln>
               <a:extLst>
                 <a:ext uri="{91240B29-F687-4f45-9708-019B960494DF}">
-                  <a14:hiddenLine xmlns:a14="http://schemas.microsoft.com/office/drawing/2010/main" xmlns="" w="9525">
+                  <a14:hiddenLine xmlns="" xmlns:a14="http://schemas.microsoft.com/office/drawing/2010/main" w="9525">
                     <a:solidFill>
                       <a:srgbClr val="000000"/>
                     </a:solidFill>
@@ -10254,7 +10260,7 @@
               </a:ln>
               <a:extLst>
                 <a:ext uri="{91240B29-F687-4f45-9708-019B960494DF}">
-                  <a14:hiddenLine xmlns:a14="http://schemas.microsoft.com/office/drawing/2010/main" xmlns="" w="9525">
+                  <a14:hiddenLine xmlns="" xmlns:a14="http://schemas.microsoft.com/office/drawing/2010/main" w="9525">
                     <a:solidFill>
                       <a:srgbClr val="000000"/>
                     </a:solidFill>
@@ -10288,7 +10294,7 @@
               </a:ln>
               <a:extLst>
                 <a:ext uri="{91240B29-F687-4f45-9708-019B960494DF}">
-                  <a14:hiddenLine xmlns:a14="http://schemas.microsoft.com/office/drawing/2010/main" xmlns="" w="9525">
+                  <a14:hiddenLine xmlns="" xmlns:a14="http://schemas.microsoft.com/office/drawing/2010/main" w="9525">
                     <a:solidFill>
                       <a:srgbClr val="000000"/>
                     </a:solidFill>
@@ -10353,7 +10359,7 @@
               </a:ln>
               <a:extLst>
                 <a:ext uri="{91240B29-F687-4f45-9708-019B960494DF}">
-                  <a14:hiddenLine xmlns:a14="http://schemas.microsoft.com/office/drawing/2010/main" xmlns="" w="9525">
+                  <a14:hiddenLine xmlns="" xmlns:a14="http://schemas.microsoft.com/office/drawing/2010/main" w="9525">
                     <a:solidFill>
                       <a:srgbClr val="000000"/>
                     </a:solidFill>
@@ -10443,7 +10449,7 @@
               </a:ln>
               <a:extLst>
                 <a:ext uri="{91240B29-F687-4f45-9708-019B960494DF}">
-                  <a14:hiddenLine xmlns:a14="http://schemas.microsoft.com/office/drawing/2010/main" xmlns="" w="9525">
+                  <a14:hiddenLine xmlns="" xmlns:a14="http://schemas.microsoft.com/office/drawing/2010/main" w="9525">
                     <a:solidFill>
                       <a:srgbClr val="000000"/>
                     </a:solidFill>
@@ -10505,7 +10511,7 @@
               </a:ln>
               <a:extLst>
                 <a:ext uri="{91240B29-F687-4f45-9708-019B960494DF}">
-                  <a14:hiddenLine xmlns:a14="http://schemas.microsoft.com/office/drawing/2010/main" xmlns="" w="9525">
+                  <a14:hiddenLine xmlns="" xmlns:a14="http://schemas.microsoft.com/office/drawing/2010/main" w="9525">
                     <a:solidFill>
                       <a:srgbClr val="000000"/>
                     </a:solidFill>
@@ -10595,7 +10601,7 @@
               </a:ln>
               <a:extLst>
                 <a:ext uri="{91240B29-F687-4f45-9708-019B960494DF}">
-                  <a14:hiddenLine xmlns:a14="http://schemas.microsoft.com/office/drawing/2010/main" xmlns="" w="9525">
+                  <a14:hiddenLine xmlns="" xmlns:a14="http://schemas.microsoft.com/office/drawing/2010/main" w="9525">
                     <a:solidFill>
                       <a:srgbClr val="000000"/>
                     </a:solidFill>
@@ -10660,7 +10666,7 @@
               </a:ln>
               <a:extLst>
                 <a:ext uri="{91240B29-F687-4f45-9708-019B960494DF}">
-                  <a14:hiddenLine xmlns:a14="http://schemas.microsoft.com/office/drawing/2010/main" xmlns="" w="9525">
+                  <a14:hiddenLine xmlns="" xmlns:a14="http://schemas.microsoft.com/office/drawing/2010/main" w="9525">
                     <a:solidFill>
                       <a:srgbClr val="000000"/>
                     </a:solidFill>
@@ -10722,7 +10728,7 @@
               </a:ln>
               <a:extLst>
                 <a:ext uri="{91240B29-F687-4f45-9708-019B960494DF}">
-                  <a14:hiddenLine xmlns:a14="http://schemas.microsoft.com/office/drawing/2010/main" xmlns="" w="9525">
+                  <a14:hiddenLine xmlns="" xmlns:a14="http://schemas.microsoft.com/office/drawing/2010/main" w="9525">
                     <a:solidFill>
                       <a:srgbClr val="000000"/>
                     </a:solidFill>
@@ -10812,7 +10818,7 @@
               </a:ln>
               <a:extLst>
                 <a:ext uri="{91240B29-F687-4f45-9708-019B960494DF}">
-                  <a14:hiddenLine xmlns:a14="http://schemas.microsoft.com/office/drawing/2010/main" xmlns="" w="9525">
+                  <a14:hiddenLine xmlns="" xmlns:a14="http://schemas.microsoft.com/office/drawing/2010/main" w="9525">
                     <a:solidFill>
                       <a:srgbClr val="000000"/>
                     </a:solidFill>
@@ -10902,7 +10908,7 @@
               </a:ln>
               <a:extLst>
                 <a:ext uri="{91240B29-F687-4f45-9708-019B960494DF}">
-                  <a14:hiddenLine xmlns:a14="http://schemas.microsoft.com/office/drawing/2010/main" xmlns="" w="9525">
+                  <a14:hiddenLine xmlns="" xmlns:a14="http://schemas.microsoft.com/office/drawing/2010/main" w="9525">
                     <a:solidFill>
                       <a:srgbClr val="000000"/>
                     </a:solidFill>
@@ -10967,7 +10973,7 @@
               </a:ln>
               <a:extLst>
                 <a:ext uri="{91240B29-F687-4f45-9708-019B960494DF}">
-                  <a14:hiddenLine xmlns:a14="http://schemas.microsoft.com/office/drawing/2010/main" xmlns="" w="9525">
+                  <a14:hiddenLine xmlns="" xmlns:a14="http://schemas.microsoft.com/office/drawing/2010/main" w="9525">
                     <a:solidFill>
                       <a:srgbClr val="000000"/>
                     </a:solidFill>
@@ -11087,7 +11093,7 @@
               </a:ln>
               <a:extLst>
                 <a:ext uri="{91240B29-F687-4f45-9708-019B960494DF}">
-                  <a14:hiddenLine xmlns:a14="http://schemas.microsoft.com/office/drawing/2010/main" xmlns="" w="9525">
+                  <a14:hiddenLine xmlns="" xmlns:a14="http://schemas.microsoft.com/office/drawing/2010/main" w="9525">
                     <a:solidFill>
                       <a:srgbClr val="000000"/>
                     </a:solidFill>
@@ -11168,7 +11174,7 @@
               </a:ln>
               <a:extLst>
                 <a:ext uri="{91240B29-F687-4f45-9708-019B960494DF}">
-                  <a14:hiddenLine xmlns:a14="http://schemas.microsoft.com/office/drawing/2010/main" xmlns="" w="9525">
+                  <a14:hiddenLine xmlns="" xmlns:a14="http://schemas.microsoft.com/office/drawing/2010/main" w="9525">
                     <a:solidFill>
                       <a:srgbClr val="000000"/>
                     </a:solidFill>
@@ -11283,7 +11289,7 @@
               </a:ln>
               <a:extLst>
                 <a:ext uri="{91240B29-F687-4f45-9708-019B960494DF}">
-                  <a14:hiddenLine xmlns:a14="http://schemas.microsoft.com/office/drawing/2010/main" xmlns="" w="9525">
+                  <a14:hiddenLine xmlns="" xmlns:a14="http://schemas.microsoft.com/office/drawing/2010/main" w="9525">
                     <a:solidFill>
                       <a:srgbClr val="000000"/>
                     </a:solidFill>
@@ -11373,7 +11379,7 @@
               </a:ln>
               <a:extLst>
                 <a:ext uri="{91240B29-F687-4f45-9708-019B960494DF}">
-                  <a14:hiddenLine xmlns:a14="http://schemas.microsoft.com/office/drawing/2010/main" xmlns="" w="9525">
+                  <a14:hiddenLine xmlns="" xmlns:a14="http://schemas.microsoft.com/office/drawing/2010/main" w="9525">
                     <a:solidFill>
                       <a:srgbClr val="000000"/>
                     </a:solidFill>
@@ -11438,7 +11444,7 @@
               </a:ln>
               <a:extLst>
                 <a:ext uri="{91240B29-F687-4f45-9708-019B960494DF}">
-                  <a14:hiddenLine xmlns:a14="http://schemas.microsoft.com/office/drawing/2010/main" xmlns="" w="9525">
+                  <a14:hiddenLine xmlns="" xmlns:a14="http://schemas.microsoft.com/office/drawing/2010/main" w="9525">
                     <a:solidFill>
                       <a:srgbClr val="000000"/>
                     </a:solidFill>
@@ -11528,7 +11534,7 @@
               </a:ln>
               <a:extLst>
                 <a:ext uri="{91240B29-F687-4f45-9708-019B960494DF}">
-                  <a14:hiddenLine xmlns:a14="http://schemas.microsoft.com/office/drawing/2010/main" xmlns="" w="9525">
+                  <a14:hiddenLine xmlns="" xmlns:a14="http://schemas.microsoft.com/office/drawing/2010/main" w="9525">
                     <a:solidFill>
                       <a:srgbClr val="000000"/>
                     </a:solidFill>
@@ -11596,7 +11602,7 @@
               </a:ln>
               <a:extLst>
                 <a:ext uri="{91240B29-F687-4f45-9708-019B960494DF}">
-                  <a14:hiddenLine xmlns:a14="http://schemas.microsoft.com/office/drawing/2010/main" xmlns="" w="9525">
+                  <a14:hiddenLine xmlns="" xmlns:a14="http://schemas.microsoft.com/office/drawing/2010/main" w="9525">
                     <a:solidFill>
                       <a:srgbClr val="000000"/>
                     </a:solidFill>
@@ -11686,7 +11692,7 @@
               </a:ln>
               <a:extLst>
                 <a:ext uri="{91240B29-F687-4f45-9708-019B960494DF}">
-                  <a14:hiddenLine xmlns:a14="http://schemas.microsoft.com/office/drawing/2010/main" xmlns="" w="9525">
+                  <a14:hiddenLine xmlns="" xmlns:a14="http://schemas.microsoft.com/office/drawing/2010/main" w="9525">
                     <a:solidFill>
                       <a:srgbClr val="000000"/>
                     </a:solidFill>
@@ -11754,7 +11760,7 @@
               </a:ln>
               <a:extLst>
                 <a:ext uri="{91240B29-F687-4f45-9708-019B960494DF}">
-                  <a14:hiddenLine xmlns:a14="http://schemas.microsoft.com/office/drawing/2010/main" xmlns="" w="9525">
+                  <a14:hiddenLine xmlns="" xmlns:a14="http://schemas.microsoft.com/office/drawing/2010/main" w="9525">
                     <a:solidFill>
                       <a:srgbClr val="000000"/>
                     </a:solidFill>
@@ -11844,7 +11850,7 @@
               </a:ln>
               <a:extLst>
                 <a:ext uri="{91240B29-F687-4f45-9708-019B960494DF}">
-                  <a14:hiddenLine xmlns:a14="http://schemas.microsoft.com/office/drawing/2010/main" xmlns="" w="9525">
+                  <a14:hiddenLine xmlns="" xmlns:a14="http://schemas.microsoft.com/office/drawing/2010/main" w="9525">
                     <a:solidFill>
                       <a:srgbClr val="000000"/>
                     </a:solidFill>
@@ -11878,7 +11884,7 @@
               </a:ln>
               <a:extLst>
                 <a:ext uri="{91240B29-F687-4f45-9708-019B960494DF}">
-                  <a14:hiddenLine xmlns:a14="http://schemas.microsoft.com/office/drawing/2010/main" xmlns="" w="9525">
+                  <a14:hiddenLine xmlns="" xmlns:a14="http://schemas.microsoft.com/office/drawing/2010/main" w="9525">
                     <a:solidFill>
                       <a:srgbClr val="000000"/>
                     </a:solidFill>
@@ -12019,7 +12025,7 @@
             <a:fld id="{48A87A34-81AB-432B-8DAE-1953F412C126}" type="datetimeFigureOut">
               <a:rPr lang="en-US" smtClean="0"/>
               <a:pPr/>
-              <a:t>12/29/2021</a:t>
+              <a:t>12/30/2021</a:t>
             </a:fld>
             <a:endParaRPr lang="en-US" dirty="0"/>
           </a:p>
@@ -12765,6 +12771,146 @@
           <p:cNvPr id="2" name="Заголовок 1">
             <a:extLst>
               <a:ext uri="{FF2B5EF4-FFF2-40B4-BE49-F238E27FC236}">
+                <a16:creationId xmlns:a16="http://schemas.microsoft.com/office/drawing/2014/main" id="{E353C64E-8219-4512-B0B7-93FADD9D19D9}"/>
+              </a:ext>
+            </a:extLst>
+          </p:cNvPr>
+          <p:cNvSpPr>
+            <a:spLocks noGrp="1"/>
+          </p:cNvSpPr>
+          <p:nvPr>
+            <p:ph type="title"/>
+          </p:nvPr>
+        </p:nvSpPr>
+        <p:spPr>
+          <a:xfrm>
+            <a:off x="0" y="1"/>
+            <a:ext cx="12192000" cy="923596"/>
+          </a:xfrm>
+        </p:spPr>
+        <p:txBody>
+          <a:bodyPr>
+            <a:normAutofit/>
+          </a:bodyPr>
+          <a:lstStyle/>
+          <a:p>
+            <a:pPr algn="ctr"/>
+            <a:r>
+              <a:rPr lang="en-US" sz="4000" dirty="0">
+                <a:latin typeface="Times New Roman" panose="02020603050405020304" pitchFamily="18" charset="0"/>
+                <a:cs typeface="Times New Roman" panose="02020603050405020304" pitchFamily="18" charset="0"/>
+              </a:rPr>
+              <a:t>Second stage of rendering</a:t>
+            </a:r>
+          </a:p>
+        </p:txBody>
+      </p:sp>
+      <p:sp>
+        <p:nvSpPr>
+          <p:cNvPr id="3" name="Объект 2">
+            <a:extLst>
+              <a:ext uri="{FF2B5EF4-FFF2-40B4-BE49-F238E27FC236}">
+                <a16:creationId xmlns:a16="http://schemas.microsoft.com/office/drawing/2014/main" id="{5A849120-DB75-4813-A491-47D9F7114302}"/>
+              </a:ext>
+            </a:extLst>
+          </p:cNvPr>
+          <p:cNvSpPr>
+            <a:spLocks noGrp="1"/>
+          </p:cNvSpPr>
+          <p:nvPr>
+            <p:ph idx="1"/>
+          </p:nvPr>
+        </p:nvSpPr>
+        <p:spPr>
+          <a:xfrm>
+            <a:off x="887768" y="923596"/>
+            <a:ext cx="10768614" cy="1455620"/>
+          </a:xfrm>
+        </p:spPr>
+        <p:txBody>
+          <a:bodyPr>
+            <a:noAutofit/>
+          </a:bodyPr>
+          <a:lstStyle/>
+          <a:p>
+            <a:pPr marL="0" indent="0" algn="ctr">
+              <a:buNone/>
+            </a:pPr>
+            <a:r>
+              <a:rPr lang="en-US" sz="3200" dirty="0">
+                <a:latin typeface="Times New Roman" panose="02020603050405020304" pitchFamily="18" charset="0"/>
+                <a:cs typeface="Times New Roman" panose="02020603050405020304" pitchFamily="18" charset="0"/>
+              </a:rPr>
+              <a:t>The program draws from the starting point the length of all moves until it finds a way out</a:t>
+            </a:r>
+          </a:p>
+        </p:txBody>
+      </p:sp>
+      <p:pic>
+        <p:nvPicPr>
+          <p:cNvPr id="4" name="Рисунок 3">
+            <a:extLst>
+              <a:ext uri="{FF2B5EF4-FFF2-40B4-BE49-F238E27FC236}">
+                <a16:creationId xmlns:a16="http://schemas.microsoft.com/office/drawing/2014/main" id="{4FCE8DD4-E9B1-46E5-B8B1-8417B5BEFB2E}"/>
+              </a:ext>
+            </a:extLst>
+          </p:cNvPr>
+          <p:cNvPicPr>
+            <a:picLocks noChangeAspect="1"/>
+          </p:cNvPicPr>
+          <p:nvPr/>
+        </p:nvPicPr>
+        <p:blipFill>
+          <a:blip r:embed="rId2"/>
+          <a:stretch>
+            <a:fillRect/>
+          </a:stretch>
+        </p:blipFill>
+        <p:spPr>
+          <a:xfrm>
+            <a:off x="4185477" y="2394310"/>
+            <a:ext cx="3821045" cy="4168949"/>
+          </a:xfrm>
+          <a:prstGeom prst="rect">
+            <a:avLst/>
+          </a:prstGeom>
+        </p:spPr>
+      </p:pic>
+    </p:spTree>
+    <p:extLst>
+      <p:ext uri="{BB962C8B-B14F-4D97-AF65-F5344CB8AC3E}">
+        <p14:creationId xmlns:p14="http://schemas.microsoft.com/office/powerpoint/2010/main" val="2375320178"/>
+      </p:ext>
+    </p:extLst>
+  </p:cSld>
+  <p:clrMapOvr>
+    <a:masterClrMapping/>
+  </p:clrMapOvr>
+</p:sld>
+</file>
+
+<file path=ppt/slides/slide11.xml><?xml version="1.0" encoding="utf-8"?>
+<p:sld xmlns:a="http://schemas.openxmlformats.org/drawingml/2006/main" xmlns:r="http://schemas.openxmlformats.org/officeDocument/2006/relationships" xmlns:p="http://schemas.openxmlformats.org/presentationml/2006/main">
+  <p:cSld>
+    <p:spTree>
+      <p:nvGrpSpPr>
+        <p:cNvPr id="1" name=""/>
+        <p:cNvGrpSpPr/>
+        <p:nvPr/>
+      </p:nvGrpSpPr>
+      <p:grpSpPr>
+        <a:xfrm>
+          <a:off x="0" y="0"/>
+          <a:ext cx="0" cy="0"/>
+          <a:chOff x="0" y="0"/>
+          <a:chExt cx="0" cy="0"/>
+        </a:xfrm>
+      </p:grpSpPr>
+      <p:sp>
+        <p:nvSpPr>
+          <p:cNvPr id="2" name="Заголовок 1">
+            <a:extLst>
+              <a:ext uri="{FF2B5EF4-FFF2-40B4-BE49-F238E27FC236}">
                 <a16:creationId xmlns:a16="http://schemas.microsoft.com/office/drawing/2014/main" id="{332FF82D-86D1-4BF3-B6DC-55E054508EDB}"/>
               </a:ext>
             </a:extLst>
@@ -12883,7 +13029,7 @@
 </p:sld>
 </file>
 
-<file path=ppt/slides/slide11.xml><?xml version="1.0" encoding="utf-8"?>
+<file path=ppt/slides/slide12.xml><?xml version="1.0" encoding="utf-8"?>
 <p:sld xmlns:a="http://schemas.openxmlformats.org/drawingml/2006/main" xmlns:r="http://schemas.openxmlformats.org/officeDocument/2006/relationships" xmlns:p="http://schemas.openxmlformats.org/presentationml/2006/main">
   <p:cSld>
     <p:spTree>
@@ -12975,7 +13121,7 @@
                 <a:latin typeface="Times New Roman" panose="02020603050405020304" pitchFamily="18" charset="0"/>
                 <a:cs typeface="Times New Roman" panose="02020603050405020304" pitchFamily="18" charset="0"/>
               </a:rPr>
-              <a:t>My program can read a maze in the form of a text document. She is looking for the shortest way out of the maze. And can display it graphically</a:t>
+              <a:t>My program can read a maze in the form of a text document. She is find for the shortest way out of the maze. And can display it graphically.</a:t>
             </a:r>
           </a:p>
         </p:txBody>
@@ -12993,7 +13139,7 @@
 </p:sld>
 </file>
 
-<file path=ppt/slides/slide12.xml><?xml version="1.0" encoding="utf-8"?>
+<file path=ppt/slides/slide13.xml><?xml version="1.0" encoding="utf-8"?>
 <p:sld xmlns:a="http://schemas.openxmlformats.org/drawingml/2006/main" xmlns:r="http://schemas.openxmlformats.org/officeDocument/2006/relationships" xmlns:p="http://schemas.openxmlformats.org/presentationml/2006/main">
   <p:cSld>
     <p:spTree>
@@ -13976,7 +14122,7 @@
                 <a:latin typeface="Times New Roman" panose="02020603050405020304" pitchFamily="18" charset="0"/>
                 <a:cs typeface="Times New Roman" panose="02020603050405020304" pitchFamily="18" charset="0"/>
               </a:rPr>
-              <a:t>“Breadth-First Search” work?</a:t>
+              <a:t>“Breadth-First Search” IN OUR work?</a:t>
             </a:r>
           </a:p>
         </p:txBody>
@@ -13999,7 +14145,7 @@
         </p:nvSpPr>
         <p:spPr>
           <a:xfrm>
-            <a:off x="1012794" y="2098567"/>
+            <a:off x="1143000" y="2071934"/>
             <a:ext cx="9905999" cy="3541714"/>
           </a:xfrm>
         </p:spPr>
@@ -14388,7 +14534,7 @@
                 <a:latin typeface="Times New Roman" panose="02020603050405020304" pitchFamily="18" charset="0"/>
                 <a:cs typeface="Times New Roman" panose="02020603050405020304" pitchFamily="18" charset="0"/>
               </a:rPr>
-              <a:t>FIRST STAGE IS STARTED</a:t>
+              <a:t>FIRST STAGE OF RENDER IS STARTED</a:t>
             </a:r>
           </a:p>
         </p:txBody>
@@ -14436,10 +14582,10 @@
       </p:sp>
       <p:pic>
         <p:nvPicPr>
-          <p:cNvPr id="7" name="Рисунок 6">
+          <p:cNvPr id="5" name="Рисунок 4">
             <a:extLst>
               <a:ext uri="{FF2B5EF4-FFF2-40B4-BE49-F238E27FC236}">
-                <a16:creationId xmlns:a16="http://schemas.microsoft.com/office/drawing/2014/main" id="{08520E9A-F5CF-4C63-970E-9E7EEB0F0779}"/>
+                <a16:creationId xmlns:a16="http://schemas.microsoft.com/office/drawing/2014/main" id="{E88A18F5-8C91-42D2-9FFE-AFCDCC0D5162}"/>
               </a:ext>
             </a:extLst>
           </p:cNvPr>
@@ -14456,8 +14602,8 @@
         </p:blipFill>
         <p:spPr>
           <a:xfrm>
-            <a:off x="4341257" y="2134081"/>
-            <a:ext cx="3821045" cy="4168949"/>
+            <a:off x="4236184" y="2016675"/>
+            <a:ext cx="3911765" cy="4538181"/>
           </a:xfrm>
           <a:prstGeom prst="rect">
             <a:avLst/>
